--- a/Semana 6/Taller S5.pptx
+++ b/Semana 6/Taller S5.pptx
@@ -4175,7 +4175,7 @@
           <a:p>
             <a:r>
               <a:rPr lang="es-ES" dirty="0"/>
-              <a:t>Semana 5</a:t>
+              <a:t>Semana 6</a:t>
             </a:r>
             <a:endParaRPr lang="es-CO" dirty="0"/>
           </a:p>
@@ -4198,7 +4198,25 @@
           <a:p>
             <a:r>
               <a:rPr lang="es-ES" dirty="0"/>
-              <a:t>ENLACE TCP</a:t>
+              <a:t>MVC y TPC</a:t>
+            </a:r>
+          </a:p>
+          <a:p>
+            <a:r>
+              <a:rPr lang="es-ES" dirty="0"/>
+              <a:t>Entrega: </a:t>
+            </a:r>
+            <a:r>
+              <a:rPr lang="es-ES" dirty="0" err="1"/>
+              <a:t>Sabado</a:t>
+            </a:r>
+            <a:r>
+              <a:rPr lang="es-ES"/>
+              <a:t> Semana </a:t>
+            </a:r>
+            <a:r>
+              <a:rPr lang="es-ES" dirty="0"/>
+              <a:t>8</a:t>
             </a:r>
           </a:p>
         </p:txBody>
